--- a/CapstoneProjects/Capstone 2/Docs/Customer Attrition Prediction on Credit Card data.pptx
+++ b/CapstoneProjects/Capstone 2/Docs/Customer Attrition Prediction on Credit Card data.pptx
@@ -3223,7 +3223,7 @@
   <p:cSld>
     <p:spTree>
       <p:nvGrpSpPr>
-        <p:cNvPr id="349" name="Shape 349"/>
+        <p:cNvPr id="351" name="Shape 351"/>
         <p:cNvGrpSpPr/>
         <p:nvPr/>
       </p:nvGrpSpPr>
@@ -3237,7 +3237,7 @@
       </p:grpSpPr>
       <p:sp>
         <p:nvSpPr>
-          <p:cNvPr id="350" name="Google Shape;350;g10f1133c063_0_181:notes"/>
+          <p:cNvPr id="352" name="Google Shape;352;g10f1133c063_0_181:notes"/>
           <p:cNvSpPr/>
           <p:nvPr>
             <p:ph idx="2" type="sldImg"/>
@@ -3272,7 +3272,7 @@
       </p:sp>
       <p:sp>
         <p:nvSpPr>
-          <p:cNvPr id="351" name="Google Shape;351;g10f1133c063_0_181:notes"/>
+          <p:cNvPr id="353" name="Google Shape;353;g10f1133c063_0_181:notes"/>
           <p:cNvSpPr txBox="1"/>
           <p:nvPr>
             <p:ph idx="1" type="body"/>
@@ -3322,7 +3322,7 @@
   <p:cSld>
     <p:spTree>
       <p:nvGrpSpPr>
-        <p:cNvPr id="355" name="Shape 355"/>
+        <p:cNvPr id="357" name="Shape 357"/>
         <p:cNvGrpSpPr/>
         <p:nvPr/>
       </p:nvGrpSpPr>
@@ -3336,7 +3336,7 @@
       </p:grpSpPr>
       <p:sp>
         <p:nvSpPr>
-          <p:cNvPr id="356" name="Google Shape;356;g10f1133c063_0_169:notes"/>
+          <p:cNvPr id="358" name="Google Shape;358;g10f1133c063_0_169:notes"/>
           <p:cNvSpPr/>
           <p:nvPr>
             <p:ph idx="2" type="sldImg"/>
@@ -3371,7 +3371,7 @@
       </p:sp>
       <p:sp>
         <p:nvSpPr>
-          <p:cNvPr id="357" name="Google Shape;357;g10f1133c063_0_169:notes"/>
+          <p:cNvPr id="359" name="Google Shape;359;g10f1133c063_0_169:notes"/>
           <p:cNvSpPr txBox="1"/>
           <p:nvPr>
             <p:ph idx="1" type="body"/>
@@ -3421,7 +3421,7 @@
   <p:cSld>
     <p:spTree>
       <p:nvGrpSpPr>
-        <p:cNvPr id="363" name="Shape 363"/>
+        <p:cNvPr id="365" name="Shape 365"/>
         <p:cNvGrpSpPr/>
         <p:nvPr/>
       </p:nvGrpSpPr>
@@ -3435,7 +3435,7 @@
       </p:grpSpPr>
       <p:sp>
         <p:nvSpPr>
-          <p:cNvPr id="364" name="Google Shape;364;g10f1133c063_0_191:notes"/>
+          <p:cNvPr id="366" name="Google Shape;366;g10f1133c063_0_191:notes"/>
           <p:cNvSpPr/>
           <p:nvPr>
             <p:ph idx="2" type="sldImg"/>
@@ -3470,7 +3470,7 @@
       </p:sp>
       <p:sp>
         <p:nvSpPr>
-          <p:cNvPr id="365" name="Google Shape;365;g10f1133c063_0_191:notes"/>
+          <p:cNvPr id="367" name="Google Shape;367;g10f1133c063_0_191:notes"/>
           <p:cNvSpPr txBox="1"/>
           <p:nvPr>
             <p:ph idx="1" type="body"/>
@@ -3520,7 +3520,7 @@
   <p:cSld>
     <p:spTree>
       <p:nvGrpSpPr>
-        <p:cNvPr id="369" name="Shape 369"/>
+        <p:cNvPr id="371" name="Shape 371"/>
         <p:cNvGrpSpPr/>
         <p:nvPr/>
       </p:nvGrpSpPr>
@@ -3534,7 +3534,7 @@
       </p:grpSpPr>
       <p:sp>
         <p:nvSpPr>
-          <p:cNvPr id="370" name="Google Shape;370;g10c494f655b_1_10:notes"/>
+          <p:cNvPr id="372" name="Google Shape;372;g10c494f655b_1_10:notes"/>
           <p:cNvSpPr/>
           <p:nvPr>
             <p:ph idx="2" type="sldImg"/>
@@ -3569,7 +3569,7 @@
       </p:sp>
       <p:sp>
         <p:nvSpPr>
-          <p:cNvPr id="371" name="Google Shape;371;g10c494f655b_1_10:notes"/>
+          <p:cNvPr id="373" name="Google Shape;373;g10c494f655b_1_10:notes"/>
           <p:cNvSpPr txBox="1"/>
           <p:nvPr>
             <p:ph idx="1" type="body"/>
@@ -12495,7 +12495,7 @@
                 <a:cs typeface="Verdana"/>
                 <a:sym typeface="Verdana"/>
               </a:rPr>
-              <a:t>on credit card data</a:t>
+              <a:t>using credit card data</a:t>
             </a:r>
             <a:endParaRPr b="1" sz="4800">
               <a:solidFill>
@@ -21426,8 +21426,8 @@
         </p:blipFill>
         <p:spPr>
           <a:xfrm>
-            <a:off x="1297500" y="967750"/>
-            <a:ext cx="2829321" cy="2671900"/>
+            <a:off x="304800" y="967750"/>
+            <a:ext cx="4163170" cy="2720159"/>
           </a:xfrm>
           <a:prstGeom prst="rect">
             <a:avLst/>
@@ -21454,8 +21454,8 @@
         </p:blipFill>
         <p:spPr>
           <a:xfrm>
-            <a:off x="4467971" y="967750"/>
-            <a:ext cx="2717680" cy="2671900"/>
+            <a:off x="4620375" y="967750"/>
+            <a:ext cx="4108476" cy="2665175"/>
           </a:xfrm>
           <a:prstGeom prst="rect">
             <a:avLst/>
@@ -21466,6 +21466,122 @@
           </a:ln>
         </p:spPr>
       </p:pic>
+      <p:sp>
+        <p:nvSpPr>
+          <p:cNvPr id="349" name="Google Shape;349;p43"/>
+          <p:cNvSpPr txBox="1"/>
+          <p:nvPr/>
+        </p:nvSpPr>
+        <p:spPr>
+          <a:xfrm>
+            <a:off x="1454600" y="3840300"/>
+            <a:ext cx="1155000" cy="400200"/>
+          </a:xfrm>
+          <a:prstGeom prst="rect">
+            <a:avLst/>
+          </a:prstGeom>
+          <a:noFill/>
+          <a:ln>
+            <a:noFill/>
+          </a:ln>
+        </p:spPr>
+        <p:txBody>
+          <a:bodyPr anchorCtr="0" anchor="t" bIns="91425" lIns="91425" spcFirstLastPara="1" rIns="91425" wrap="square" tIns="91425">
+            <a:spAutoFit/>
+          </a:bodyPr>
+          <a:lstStyle/>
+          <a:p>
+            <a:pPr indent="0" lvl="0" marL="0" rtl="0" algn="l">
+              <a:spcBef>
+                <a:spcPts val="0"/>
+              </a:spcBef>
+              <a:spcAft>
+                <a:spcPts val="0"/>
+              </a:spcAft>
+              <a:buNone/>
+            </a:pPr>
+            <a:r>
+              <a:rPr lang="en">
+                <a:solidFill>
+                  <a:srgbClr val="FFFFFF"/>
+                </a:solidFill>
+                <a:latin typeface="Lato"/>
+                <a:ea typeface="Lato"/>
+                <a:cs typeface="Lato"/>
+                <a:sym typeface="Lato"/>
+              </a:rPr>
+              <a:t>On train set</a:t>
+            </a:r>
+            <a:endParaRPr>
+              <a:solidFill>
+                <a:srgbClr val="FFFFFF"/>
+              </a:solidFill>
+              <a:latin typeface="Lato"/>
+              <a:ea typeface="Lato"/>
+              <a:cs typeface="Lato"/>
+              <a:sym typeface="Lato"/>
+            </a:endParaRPr>
+          </a:p>
+        </p:txBody>
+      </p:sp>
+      <p:sp>
+        <p:nvSpPr>
+          <p:cNvPr id="350" name="Google Shape;350;p43"/>
+          <p:cNvSpPr txBox="1"/>
+          <p:nvPr/>
+        </p:nvSpPr>
+        <p:spPr>
+          <a:xfrm>
+            <a:off x="5875225" y="3840300"/>
+            <a:ext cx="1155000" cy="400200"/>
+          </a:xfrm>
+          <a:prstGeom prst="rect">
+            <a:avLst/>
+          </a:prstGeom>
+          <a:noFill/>
+          <a:ln>
+            <a:noFill/>
+          </a:ln>
+        </p:spPr>
+        <p:txBody>
+          <a:bodyPr anchorCtr="0" anchor="t" bIns="91425" lIns="91425" spcFirstLastPara="1" rIns="91425" wrap="square" tIns="91425">
+            <a:spAutoFit/>
+          </a:bodyPr>
+          <a:lstStyle/>
+          <a:p>
+            <a:pPr indent="0" lvl="0" marL="0" rtl="0" algn="l">
+              <a:spcBef>
+                <a:spcPts val="0"/>
+              </a:spcBef>
+              <a:spcAft>
+                <a:spcPts val="0"/>
+              </a:spcAft>
+              <a:buNone/>
+            </a:pPr>
+            <a:r>
+              <a:rPr lang="en">
+                <a:solidFill>
+                  <a:srgbClr val="FFFFFF"/>
+                </a:solidFill>
+                <a:latin typeface="Lato"/>
+                <a:ea typeface="Lato"/>
+                <a:cs typeface="Lato"/>
+                <a:sym typeface="Lato"/>
+              </a:rPr>
+              <a:t>On test set</a:t>
+            </a:r>
+            <a:endParaRPr>
+              <a:solidFill>
+                <a:srgbClr val="FFFFFF"/>
+              </a:solidFill>
+              <a:latin typeface="Lato"/>
+              <a:ea typeface="Lato"/>
+              <a:cs typeface="Lato"/>
+              <a:sym typeface="Lato"/>
+            </a:endParaRPr>
+          </a:p>
+        </p:txBody>
+      </p:sp>
     </p:spTree>
   </p:cSld>
   <p:clrMapOvr>
@@ -21486,7 +21602,7 @@
     </p:bg>
     <p:spTree>
       <p:nvGrpSpPr>
-        <p:cNvPr id="352" name="Shape 352"/>
+        <p:cNvPr id="354" name="Shape 354"/>
         <p:cNvGrpSpPr/>
         <p:nvPr/>
       </p:nvGrpSpPr>
@@ -21500,7 +21616,7 @@
       </p:grpSpPr>
       <p:sp>
         <p:nvSpPr>
-          <p:cNvPr id="353" name="Google Shape;353;p44"/>
+          <p:cNvPr id="355" name="Google Shape;355;p44"/>
           <p:cNvSpPr txBox="1"/>
           <p:nvPr>
             <p:ph type="title"/>
@@ -21617,7 +21733,7 @@
       </p:sp>
       <p:sp>
         <p:nvSpPr>
-          <p:cNvPr id="354" name="Google Shape;354;p44"/>
+          <p:cNvPr id="356" name="Google Shape;356;p44"/>
           <p:cNvSpPr txBox="1"/>
           <p:nvPr/>
         </p:nvSpPr>
@@ -21835,7 +21951,7 @@
     </p:bg>
     <p:spTree>
       <p:nvGrpSpPr>
-        <p:cNvPr id="358" name="Shape 358"/>
+        <p:cNvPr id="360" name="Shape 360"/>
         <p:cNvGrpSpPr/>
         <p:nvPr/>
       </p:nvGrpSpPr>
@@ -21849,7 +21965,7 @@
       </p:grpSpPr>
       <p:sp>
         <p:nvSpPr>
-          <p:cNvPr id="359" name="Google Shape;359;p45"/>
+          <p:cNvPr id="361" name="Google Shape;361;p45"/>
           <p:cNvSpPr txBox="1"/>
           <p:nvPr>
             <p:ph type="title"/>
@@ -21940,7 +22056,7 @@
       </p:sp>
       <p:sp>
         <p:nvSpPr>
-          <p:cNvPr id="360" name="Google Shape;360;p45"/>
+          <p:cNvPr id="362" name="Google Shape;362;p45"/>
           <p:cNvSpPr txBox="1"/>
           <p:nvPr/>
         </p:nvSpPr>
@@ -22083,7 +22199,7 @@
       </p:sp>
       <p:sp>
         <p:nvSpPr>
-          <p:cNvPr id="361" name="Google Shape;361;p45"/>
+          <p:cNvPr id="363" name="Google Shape;363;p45"/>
           <p:cNvSpPr txBox="1"/>
           <p:nvPr>
             <p:ph type="title"/>
@@ -22200,7 +22316,7 @@
       </p:sp>
       <p:sp>
         <p:nvSpPr>
-          <p:cNvPr id="362" name="Google Shape;362;p45"/>
+          <p:cNvPr id="364" name="Google Shape;364;p45"/>
           <p:cNvSpPr txBox="1"/>
           <p:nvPr/>
         </p:nvSpPr>
@@ -22430,7 +22546,7 @@
     </p:bg>
     <p:spTree>
       <p:nvGrpSpPr>
-        <p:cNvPr id="366" name="Shape 366"/>
+        <p:cNvPr id="368" name="Shape 368"/>
         <p:cNvGrpSpPr/>
         <p:nvPr/>
       </p:nvGrpSpPr>
@@ -22444,7 +22560,7 @@
       </p:grpSpPr>
       <p:sp>
         <p:nvSpPr>
-          <p:cNvPr id="367" name="Google Shape;367;p46"/>
+          <p:cNvPr id="369" name="Google Shape;369;p46"/>
           <p:cNvSpPr txBox="1"/>
           <p:nvPr>
             <p:ph type="title"/>
@@ -22561,7 +22677,7 @@
       </p:sp>
       <p:sp>
         <p:nvSpPr>
-          <p:cNvPr id="368" name="Google Shape;368;p46"/>
+          <p:cNvPr id="370" name="Google Shape;370;p46"/>
           <p:cNvSpPr txBox="1"/>
           <p:nvPr/>
         </p:nvSpPr>
@@ -22906,7 +23022,7 @@
     </p:bg>
     <p:spTree>
       <p:nvGrpSpPr>
-        <p:cNvPr id="372" name="Shape 372"/>
+        <p:cNvPr id="374" name="Shape 374"/>
         <p:cNvGrpSpPr/>
         <p:nvPr/>
       </p:nvGrpSpPr>
@@ -22920,7 +23036,7 @@
       </p:grpSpPr>
       <p:sp>
         <p:nvSpPr>
-          <p:cNvPr id="373" name="Google Shape;373;p47"/>
+          <p:cNvPr id="375" name="Google Shape;375;p47"/>
           <p:cNvSpPr txBox="1"/>
           <p:nvPr>
             <p:ph type="title"/>
@@ -22991,7 +23107,7 @@
       </p:sp>
       <p:sp>
         <p:nvSpPr>
-          <p:cNvPr id="374" name="Google Shape;374;p47"/>
+          <p:cNvPr id="376" name="Google Shape;376;p47"/>
           <p:cNvSpPr txBox="1"/>
           <p:nvPr>
             <p:ph idx="1" type="body"/>
@@ -25833,6 +25949,285 @@
 </file>
 
 <file path=ppt/theme/theme1.xml><?xml version="1.0" encoding="utf-8"?>
+<a:theme xmlns:a="http://schemas.openxmlformats.org/drawingml/2006/main" xmlns:r="http://schemas.openxmlformats.org/officeDocument/2006/relationships" name="Focus">
+  <a:themeElements>
+    <a:clrScheme name="Focus">
+      <a:dk1>
+        <a:srgbClr val="1B212C"/>
+      </a:dk1>
+      <a:lt1>
+        <a:srgbClr val="FFFFFF"/>
+      </a:lt1>
+      <a:dk2>
+        <a:srgbClr val="D9D9D9"/>
+      </a:dk2>
+      <a:lt2>
+        <a:srgbClr val="82C7A5"/>
+      </a:lt2>
+      <a:accent1>
+        <a:srgbClr val="0145AC"/>
+      </a:accent1>
+      <a:accent2>
+        <a:srgbClr val="EECE1A"/>
+      </a:accent2>
+      <a:accent3>
+        <a:srgbClr val="4E5567"/>
+      </a:accent3>
+      <a:accent4>
+        <a:srgbClr val="F4D6AD"/>
+      </a:accent4>
+      <a:accent5>
+        <a:srgbClr val="7890CD"/>
+      </a:accent5>
+      <a:accent6>
+        <a:srgbClr val="F15E22"/>
+      </a:accent6>
+      <a:hlink>
+        <a:srgbClr val="7890CD"/>
+      </a:hlink>
+      <a:folHlink>
+        <a:srgbClr val="7890CD"/>
+      </a:folHlink>
+    </a:clrScheme>
+    <a:fontScheme name="Office">
+      <a:majorFont>
+        <a:latin typeface="Arial"/>
+        <a:ea typeface=""/>
+        <a:cs typeface=""/>
+        <a:font script="Jpan" typeface="ＭＳ Ｐゴシック"/>
+        <a:font script="Hang" typeface="맑은 고딕"/>
+        <a:font script="Hans" typeface="宋体"/>
+        <a:font script="Hant" typeface="新細明體"/>
+        <a:font script="Arab" typeface="Times New Roman"/>
+        <a:font script="Hebr" typeface="Times New Roman"/>
+        <a:font script="Thai" typeface="Angsana New"/>
+        <a:font script="Ethi" typeface="Nyala"/>
+        <a:font script="Beng" typeface="Vrinda"/>
+        <a:font script="Gujr" typeface="Shruti"/>
+        <a:font script="Khmr" typeface="MoolBoran"/>
+        <a:font script="Knda" typeface="Tunga"/>
+        <a:font script="Guru" typeface="Raavi"/>
+        <a:font script="Cans" typeface="Euphemia"/>
+        <a:font script="Cher" typeface="Plantagenet Cherokee"/>
+        <a:font script="Yiii" typeface="Microsoft Yi Baiti"/>
+        <a:font script="Tibt" typeface="Microsoft Himalaya"/>
+        <a:font script="Thaa" typeface="MV Boli"/>
+        <a:font script="Deva" typeface="Mangal"/>
+        <a:font script="Telu" typeface="Gautami"/>
+        <a:font script="Taml" typeface="Latha"/>
+        <a:font script="Syrc" typeface="Estrangelo Edessa"/>
+        <a:font script="Orya" typeface="Kalinga"/>
+        <a:font script="Mlym" typeface="Kartika"/>
+        <a:font script="Laoo" typeface="DokChampa"/>
+        <a:font script="Sinh" typeface="Iskoola Pota"/>
+        <a:font script="Mong" typeface="Mongolian Baiti"/>
+        <a:font script="Viet" typeface="Times New Roman"/>
+        <a:font script="Uigh" typeface="Microsoft Uighur"/>
+        <a:font script="Geor" typeface="Sylfaen"/>
+      </a:majorFont>
+      <a:minorFont>
+        <a:latin typeface="Arial"/>
+        <a:ea typeface=""/>
+        <a:cs typeface=""/>
+        <a:font script="Jpan" typeface="ＭＳ Ｐゴシック"/>
+        <a:font script="Hang" typeface="맑은 고딕"/>
+        <a:font script="Hans" typeface="宋体"/>
+        <a:font script="Hant" typeface="新細明體"/>
+        <a:font script="Arab" typeface="Arial"/>
+        <a:font script="Hebr" typeface="Arial"/>
+        <a:font script="Thai" typeface="Cordia New"/>
+        <a:font script="Ethi" typeface="Nyala"/>
+        <a:font script="Beng" typeface="Vrinda"/>
+        <a:font script="Gujr" typeface="Shruti"/>
+        <a:font script="Khmr" typeface="DaunPenh"/>
+        <a:font script="Knda" typeface="Tunga"/>
+        <a:font script="Guru" typeface="Raavi"/>
+        <a:font script="Cans" typeface="Euphemia"/>
+        <a:font script="Cher" typeface="Plantagenet Cherokee"/>
+        <a:font script="Yiii" typeface="Microsoft Yi Baiti"/>
+        <a:font script="Tibt" typeface="Microsoft Himalaya"/>
+        <a:font script="Thaa" typeface="MV Boli"/>
+        <a:font script="Deva" typeface="Mangal"/>
+        <a:font script="Telu" typeface="Gautami"/>
+        <a:font script="Taml" typeface="Latha"/>
+        <a:font script="Syrc" typeface="Estrangelo Edessa"/>
+        <a:font script="Orya" typeface="Kalinga"/>
+        <a:font script="Mlym" typeface="Kartika"/>
+        <a:font script="Laoo" typeface="DokChampa"/>
+        <a:font script="Sinh" typeface="Iskoola Pota"/>
+        <a:font script="Mong" typeface="Mongolian Baiti"/>
+        <a:font script="Viet" typeface="Arial"/>
+        <a:font script="Uigh" typeface="Microsoft Uighur"/>
+        <a:font script="Geor" typeface="Sylfaen"/>
+      </a:minorFont>
+    </a:fontScheme>
+    <a:fmtScheme name="Office">
+      <a:fillStyleLst>
+        <a:solidFill>
+          <a:schemeClr val="phClr"/>
+        </a:solidFill>
+        <a:gradFill rotWithShape="1">
+          <a:gsLst>
+            <a:gs pos="0">
+              <a:schemeClr val="phClr">
+                <a:tint val="50000"/>
+                <a:satMod val="300000"/>
+              </a:schemeClr>
+            </a:gs>
+            <a:gs pos="35000">
+              <a:schemeClr val="phClr">
+                <a:tint val="37000"/>
+                <a:satMod val="300000"/>
+              </a:schemeClr>
+            </a:gs>
+            <a:gs pos="100000">
+              <a:schemeClr val="phClr">
+                <a:tint val="15000"/>
+                <a:satMod val="350000"/>
+              </a:schemeClr>
+            </a:gs>
+          </a:gsLst>
+          <a:lin ang="16200000" scaled="1"/>
+        </a:gradFill>
+        <a:gradFill rotWithShape="1">
+          <a:gsLst>
+            <a:gs pos="0">
+              <a:schemeClr val="phClr">
+                <a:tint val="100000"/>
+                <a:shade val="100000"/>
+                <a:satMod val="130000"/>
+              </a:schemeClr>
+            </a:gs>
+            <a:gs pos="100000">
+              <a:schemeClr val="phClr">
+                <a:tint val="50000"/>
+                <a:shade val="100000"/>
+                <a:satMod val="350000"/>
+              </a:schemeClr>
+            </a:gs>
+          </a:gsLst>
+          <a:lin ang="16200000" scaled="0"/>
+        </a:gradFill>
+      </a:fillStyleLst>
+      <a:lnStyleLst>
+        <a:ln w="9525" cap="flat" cmpd="sng" algn="ctr">
+          <a:solidFill>
+            <a:schemeClr val="phClr">
+              <a:shade val="95000"/>
+              <a:satMod val="105000"/>
+            </a:schemeClr>
+          </a:solidFill>
+          <a:prstDash val="solid"/>
+        </a:ln>
+        <a:ln w="25400" cap="flat" cmpd="sng" algn="ctr">
+          <a:solidFill>
+            <a:schemeClr val="phClr"/>
+          </a:solidFill>
+          <a:prstDash val="solid"/>
+        </a:ln>
+        <a:ln w="38100" cap="flat" cmpd="sng" algn="ctr">
+          <a:solidFill>
+            <a:schemeClr val="phClr"/>
+          </a:solidFill>
+          <a:prstDash val="solid"/>
+        </a:ln>
+      </a:lnStyleLst>
+      <a:effectStyleLst>
+        <a:effectStyle>
+          <a:effectLst>
+            <a:outerShdw blurRad="40000" dist="20000" dir="5400000" rotWithShape="0">
+              <a:srgbClr val="000000">
+                <a:alpha val="38000"/>
+              </a:srgbClr>
+            </a:outerShdw>
+          </a:effectLst>
+        </a:effectStyle>
+        <a:effectStyle>
+          <a:effectLst>
+            <a:outerShdw blurRad="40000" dist="23000" dir="5400000" rotWithShape="0">
+              <a:srgbClr val="000000">
+                <a:alpha val="35000"/>
+              </a:srgbClr>
+            </a:outerShdw>
+          </a:effectLst>
+        </a:effectStyle>
+        <a:effectStyle>
+          <a:effectLst>
+            <a:outerShdw blurRad="40000" dist="23000" dir="5400000" rotWithShape="0">
+              <a:srgbClr val="000000">
+                <a:alpha val="35000"/>
+              </a:srgbClr>
+            </a:outerShdw>
+          </a:effectLst>
+          <a:scene3d>
+            <a:camera prst="orthographicFront">
+              <a:rot lat="0" lon="0" rev="0"/>
+            </a:camera>
+            <a:lightRig rig="threePt" dir="t">
+              <a:rot lat="0" lon="0" rev="1200000"/>
+            </a:lightRig>
+          </a:scene3d>
+          <a:sp3d>
+            <a:bevelT w="63500" h="25400"/>
+          </a:sp3d>
+        </a:effectStyle>
+      </a:effectStyleLst>
+      <a:bgFillStyleLst>
+        <a:solidFill>
+          <a:schemeClr val="phClr"/>
+        </a:solidFill>
+        <a:gradFill rotWithShape="1">
+          <a:gsLst>
+            <a:gs pos="0">
+              <a:schemeClr val="phClr">
+                <a:tint val="40000"/>
+                <a:satMod val="350000"/>
+              </a:schemeClr>
+            </a:gs>
+            <a:gs pos="40000">
+              <a:schemeClr val="phClr">
+                <a:tint val="45000"/>
+                <a:shade val="99000"/>
+                <a:satMod val="350000"/>
+              </a:schemeClr>
+            </a:gs>
+            <a:gs pos="100000">
+              <a:schemeClr val="phClr">
+                <a:shade val="20000"/>
+                <a:satMod val="255000"/>
+              </a:schemeClr>
+            </a:gs>
+          </a:gsLst>
+          <a:path path="circle">
+            <a:fillToRect l="50000" t="-80000" r="50000" b="180000"/>
+          </a:path>
+        </a:gradFill>
+        <a:gradFill rotWithShape="1">
+          <a:gsLst>
+            <a:gs pos="0">
+              <a:schemeClr val="phClr">
+                <a:tint val="80000"/>
+                <a:satMod val="300000"/>
+              </a:schemeClr>
+            </a:gs>
+            <a:gs pos="100000">
+              <a:schemeClr val="phClr">
+                <a:shade val="30000"/>
+                <a:satMod val="200000"/>
+              </a:schemeClr>
+            </a:gs>
+          </a:gsLst>
+          <a:path path="circle">
+            <a:fillToRect l="50000" t="50000" r="50000" b="50000"/>
+          </a:path>
+        </a:gradFill>
+      </a:bgFillStyleLst>
+    </a:fmtScheme>
+  </a:themeElements>
+</a:theme>
+</file>
+
+<file path=ppt/theme/theme2.xml><?xml version="1.0" encoding="utf-8"?>
 <a:theme xmlns:a="http://schemas.openxmlformats.org/drawingml/2006/main" xmlns:r="http://schemas.openxmlformats.org/officeDocument/2006/relationships">
   <a:themeElements>
     <a:clrScheme name="Default">
@@ -26109,283 +26504,4 @@
     </a:fmtScheme>
   </a:themeElements>
 </a:theme>
-</file>
-
-<file path=ppt/theme/theme2.xml><?xml version="1.0" encoding="utf-8"?>
-<a:theme xmlns:a="http://schemas.openxmlformats.org/drawingml/2006/main" xmlns:r="http://schemas.openxmlformats.org/officeDocument/2006/relationships" name="Focus">
-  <a:themeElements>
-    <a:clrScheme name="Focus">
-      <a:dk1>
-        <a:srgbClr val="1B212C"/>
-      </a:dk1>
-      <a:lt1>
-        <a:srgbClr val="FFFFFF"/>
-      </a:lt1>
-      <a:dk2>
-        <a:srgbClr val="D9D9D9"/>
-      </a:dk2>
-      <a:lt2>
-        <a:srgbClr val="82C7A5"/>
-      </a:lt2>
-      <a:accent1>
-        <a:srgbClr val="0145AC"/>
-      </a:accent1>
-      <a:accent2>
-        <a:srgbClr val="EECE1A"/>
-      </a:accent2>
-      <a:accent3>
-        <a:srgbClr val="4E5567"/>
-      </a:accent3>
-      <a:accent4>
-        <a:srgbClr val="F4D6AD"/>
-      </a:accent4>
-      <a:accent5>
-        <a:srgbClr val="7890CD"/>
-      </a:accent5>
-      <a:accent6>
-        <a:srgbClr val="F15E22"/>
-      </a:accent6>
-      <a:hlink>
-        <a:srgbClr val="7890CD"/>
-      </a:hlink>
-      <a:folHlink>
-        <a:srgbClr val="7890CD"/>
-      </a:folHlink>
-    </a:clrScheme>
-    <a:fontScheme name="Office">
-      <a:majorFont>
-        <a:latin typeface="Arial"/>
-        <a:ea typeface=""/>
-        <a:cs typeface=""/>
-        <a:font script="Jpan" typeface="ＭＳ Ｐゴシック"/>
-        <a:font script="Hang" typeface="맑은 고딕"/>
-        <a:font script="Hans" typeface="宋体"/>
-        <a:font script="Hant" typeface="新細明體"/>
-        <a:font script="Arab" typeface="Times New Roman"/>
-        <a:font script="Hebr" typeface="Times New Roman"/>
-        <a:font script="Thai" typeface="Angsana New"/>
-        <a:font script="Ethi" typeface="Nyala"/>
-        <a:font script="Beng" typeface="Vrinda"/>
-        <a:font script="Gujr" typeface="Shruti"/>
-        <a:font script="Khmr" typeface="MoolBoran"/>
-        <a:font script="Knda" typeface="Tunga"/>
-        <a:font script="Guru" typeface="Raavi"/>
-        <a:font script="Cans" typeface="Euphemia"/>
-        <a:font script="Cher" typeface="Plantagenet Cherokee"/>
-        <a:font script="Yiii" typeface="Microsoft Yi Baiti"/>
-        <a:font script="Tibt" typeface="Microsoft Himalaya"/>
-        <a:font script="Thaa" typeface="MV Boli"/>
-        <a:font script="Deva" typeface="Mangal"/>
-        <a:font script="Telu" typeface="Gautami"/>
-        <a:font script="Taml" typeface="Latha"/>
-        <a:font script="Syrc" typeface="Estrangelo Edessa"/>
-        <a:font script="Orya" typeface="Kalinga"/>
-        <a:font script="Mlym" typeface="Kartika"/>
-        <a:font script="Laoo" typeface="DokChampa"/>
-        <a:font script="Sinh" typeface="Iskoola Pota"/>
-        <a:font script="Mong" typeface="Mongolian Baiti"/>
-        <a:font script="Viet" typeface="Times New Roman"/>
-        <a:font script="Uigh" typeface="Microsoft Uighur"/>
-        <a:font script="Geor" typeface="Sylfaen"/>
-      </a:majorFont>
-      <a:minorFont>
-        <a:latin typeface="Arial"/>
-        <a:ea typeface=""/>
-        <a:cs typeface=""/>
-        <a:font script="Jpan" typeface="ＭＳ Ｐゴシック"/>
-        <a:font script="Hang" typeface="맑은 고딕"/>
-        <a:font script="Hans" typeface="宋体"/>
-        <a:font script="Hant" typeface="新細明體"/>
-        <a:font script="Arab" typeface="Arial"/>
-        <a:font script="Hebr" typeface="Arial"/>
-        <a:font script="Thai" typeface="Cordia New"/>
-        <a:font script="Ethi" typeface="Nyala"/>
-        <a:font script="Beng" typeface="Vrinda"/>
-        <a:font script="Gujr" typeface="Shruti"/>
-        <a:font script="Khmr" typeface="DaunPenh"/>
-        <a:font script="Knda" typeface="Tunga"/>
-        <a:font script="Guru" typeface="Raavi"/>
-        <a:font script="Cans" typeface="Euphemia"/>
-        <a:font script="Cher" typeface="Plantagenet Cherokee"/>
-        <a:font script="Yiii" typeface="Microsoft Yi Baiti"/>
-        <a:font script="Tibt" typeface="Microsoft Himalaya"/>
-        <a:font script="Thaa" typeface="MV Boli"/>
-        <a:font script="Deva" typeface="Mangal"/>
-        <a:font script="Telu" typeface="Gautami"/>
-        <a:font script="Taml" typeface="Latha"/>
-        <a:font script="Syrc" typeface="Estrangelo Edessa"/>
-        <a:font script="Orya" typeface="Kalinga"/>
-        <a:font script="Mlym" typeface="Kartika"/>
-        <a:font script="Laoo" typeface="DokChampa"/>
-        <a:font script="Sinh" typeface="Iskoola Pota"/>
-        <a:font script="Mong" typeface="Mongolian Baiti"/>
-        <a:font script="Viet" typeface="Arial"/>
-        <a:font script="Uigh" typeface="Microsoft Uighur"/>
-        <a:font script="Geor" typeface="Sylfaen"/>
-      </a:minorFont>
-    </a:fontScheme>
-    <a:fmtScheme name="Office">
-      <a:fillStyleLst>
-        <a:solidFill>
-          <a:schemeClr val="phClr"/>
-        </a:solidFill>
-        <a:gradFill rotWithShape="1">
-          <a:gsLst>
-            <a:gs pos="0">
-              <a:schemeClr val="phClr">
-                <a:tint val="50000"/>
-                <a:satMod val="300000"/>
-              </a:schemeClr>
-            </a:gs>
-            <a:gs pos="35000">
-              <a:schemeClr val="phClr">
-                <a:tint val="37000"/>
-                <a:satMod val="300000"/>
-              </a:schemeClr>
-            </a:gs>
-            <a:gs pos="100000">
-              <a:schemeClr val="phClr">
-                <a:tint val="15000"/>
-                <a:satMod val="350000"/>
-              </a:schemeClr>
-            </a:gs>
-          </a:gsLst>
-          <a:lin ang="16200000" scaled="1"/>
-        </a:gradFill>
-        <a:gradFill rotWithShape="1">
-          <a:gsLst>
-            <a:gs pos="0">
-              <a:schemeClr val="phClr">
-                <a:tint val="100000"/>
-                <a:shade val="100000"/>
-                <a:satMod val="130000"/>
-              </a:schemeClr>
-            </a:gs>
-            <a:gs pos="100000">
-              <a:schemeClr val="phClr">
-                <a:tint val="50000"/>
-                <a:shade val="100000"/>
-                <a:satMod val="350000"/>
-              </a:schemeClr>
-            </a:gs>
-          </a:gsLst>
-          <a:lin ang="16200000" scaled="0"/>
-        </a:gradFill>
-      </a:fillStyleLst>
-      <a:lnStyleLst>
-        <a:ln w="9525" cap="flat" cmpd="sng" algn="ctr">
-          <a:solidFill>
-            <a:schemeClr val="phClr">
-              <a:shade val="95000"/>
-              <a:satMod val="105000"/>
-            </a:schemeClr>
-          </a:solidFill>
-          <a:prstDash val="solid"/>
-        </a:ln>
-        <a:ln w="25400" cap="flat" cmpd="sng" algn="ctr">
-          <a:solidFill>
-            <a:schemeClr val="phClr"/>
-          </a:solidFill>
-          <a:prstDash val="solid"/>
-        </a:ln>
-        <a:ln w="38100" cap="flat" cmpd="sng" algn="ctr">
-          <a:solidFill>
-            <a:schemeClr val="phClr"/>
-          </a:solidFill>
-          <a:prstDash val="solid"/>
-        </a:ln>
-      </a:lnStyleLst>
-      <a:effectStyleLst>
-        <a:effectStyle>
-          <a:effectLst>
-            <a:outerShdw blurRad="40000" dist="20000" dir="5400000" rotWithShape="0">
-              <a:srgbClr val="000000">
-                <a:alpha val="38000"/>
-              </a:srgbClr>
-            </a:outerShdw>
-          </a:effectLst>
-        </a:effectStyle>
-        <a:effectStyle>
-          <a:effectLst>
-            <a:outerShdw blurRad="40000" dist="23000" dir="5400000" rotWithShape="0">
-              <a:srgbClr val="000000">
-                <a:alpha val="35000"/>
-              </a:srgbClr>
-            </a:outerShdw>
-          </a:effectLst>
-        </a:effectStyle>
-        <a:effectStyle>
-          <a:effectLst>
-            <a:outerShdw blurRad="40000" dist="23000" dir="5400000" rotWithShape="0">
-              <a:srgbClr val="000000">
-                <a:alpha val="35000"/>
-              </a:srgbClr>
-            </a:outerShdw>
-          </a:effectLst>
-          <a:scene3d>
-            <a:camera prst="orthographicFront">
-              <a:rot lat="0" lon="0" rev="0"/>
-            </a:camera>
-            <a:lightRig rig="threePt" dir="t">
-              <a:rot lat="0" lon="0" rev="1200000"/>
-            </a:lightRig>
-          </a:scene3d>
-          <a:sp3d>
-            <a:bevelT w="63500" h="25400"/>
-          </a:sp3d>
-        </a:effectStyle>
-      </a:effectStyleLst>
-      <a:bgFillStyleLst>
-        <a:solidFill>
-          <a:schemeClr val="phClr"/>
-        </a:solidFill>
-        <a:gradFill rotWithShape="1">
-          <a:gsLst>
-            <a:gs pos="0">
-              <a:schemeClr val="phClr">
-                <a:tint val="40000"/>
-                <a:satMod val="350000"/>
-              </a:schemeClr>
-            </a:gs>
-            <a:gs pos="40000">
-              <a:schemeClr val="phClr">
-                <a:tint val="45000"/>
-                <a:shade val="99000"/>
-                <a:satMod val="350000"/>
-              </a:schemeClr>
-            </a:gs>
-            <a:gs pos="100000">
-              <a:schemeClr val="phClr">
-                <a:shade val="20000"/>
-                <a:satMod val="255000"/>
-              </a:schemeClr>
-            </a:gs>
-          </a:gsLst>
-          <a:path path="circle">
-            <a:fillToRect l="50000" t="-80000" r="50000" b="180000"/>
-          </a:path>
-        </a:gradFill>
-        <a:gradFill rotWithShape="1">
-          <a:gsLst>
-            <a:gs pos="0">
-              <a:schemeClr val="phClr">
-                <a:tint val="80000"/>
-                <a:satMod val="300000"/>
-              </a:schemeClr>
-            </a:gs>
-            <a:gs pos="100000">
-              <a:schemeClr val="phClr">
-                <a:shade val="30000"/>
-                <a:satMod val="200000"/>
-              </a:schemeClr>
-            </a:gs>
-          </a:gsLst>
-          <a:path path="circle">
-            <a:fillToRect l="50000" t="50000" r="50000" b="50000"/>
-          </a:path>
-        </a:gradFill>
-      </a:bgFillStyleLst>
-    </a:fmtScheme>
-  </a:themeElements>
-</a:theme>
 </file>
--- a/CapstoneProjects/Capstone 2/Docs/Customer Attrition Prediction on Credit Card data.pptx
+++ b/CapstoneProjects/Capstone 2/Docs/Customer Attrition Prediction on Credit Card data.pptx
@@ -1632,7 +1632,7 @@
   <p:cSld>
     <p:spTree>
       <p:nvGrpSpPr>
-        <p:cNvPr id="254" name="Shape 254"/>
+        <p:cNvPr id="257" name="Shape 257"/>
         <p:cNvGrpSpPr/>
         <p:nvPr/>
       </p:nvGrpSpPr>
@@ -1646,7 +1646,7 @@
       </p:grpSpPr>
       <p:sp>
         <p:nvSpPr>
-          <p:cNvPr id="255" name="Google Shape;255;g10f1133c063_0_87:notes"/>
+          <p:cNvPr id="258" name="Google Shape;258;g10f1133c063_0_87:notes"/>
           <p:cNvSpPr/>
           <p:nvPr>
             <p:ph idx="2" type="sldImg"/>
@@ -1681,7 +1681,7 @@
       </p:sp>
       <p:sp>
         <p:nvSpPr>
-          <p:cNvPr id="256" name="Google Shape;256;g10f1133c063_0_87:notes"/>
+          <p:cNvPr id="259" name="Google Shape;259;g10f1133c063_0_87:notes"/>
           <p:cNvSpPr txBox="1"/>
           <p:nvPr>
             <p:ph idx="1" type="body"/>
@@ -1731,7 +1731,7 @@
   <p:cSld>
     <p:spTree>
       <p:nvGrpSpPr>
-        <p:cNvPr id="261" name="Shape 261"/>
+        <p:cNvPr id="264" name="Shape 264"/>
         <p:cNvGrpSpPr/>
         <p:nvPr/>
       </p:nvGrpSpPr>
@@ -1745,7 +1745,7 @@
       </p:grpSpPr>
       <p:sp>
         <p:nvSpPr>
-          <p:cNvPr id="262" name="Google Shape;262;g10f1133c063_0_97:notes"/>
+          <p:cNvPr id="265" name="Google Shape;265;g10f1133c063_0_97:notes"/>
           <p:cNvSpPr/>
           <p:nvPr>
             <p:ph idx="2" type="sldImg"/>
@@ -1780,7 +1780,7 @@
       </p:sp>
       <p:sp>
         <p:nvSpPr>
-          <p:cNvPr id="263" name="Google Shape;263;g10f1133c063_0_97:notes"/>
+          <p:cNvPr id="266" name="Google Shape;266;g10f1133c063_0_97:notes"/>
           <p:cNvSpPr txBox="1"/>
           <p:nvPr>
             <p:ph idx="1" type="body"/>
@@ -1929,7 +1929,7 @@
   <p:cSld>
     <p:spTree>
       <p:nvGrpSpPr>
-        <p:cNvPr id="267" name="Shape 267"/>
+        <p:cNvPr id="270" name="Shape 270"/>
         <p:cNvGrpSpPr/>
         <p:nvPr/>
       </p:nvGrpSpPr>
@@ -1943,7 +1943,7 @@
       </p:grpSpPr>
       <p:sp>
         <p:nvSpPr>
-          <p:cNvPr id="268" name="Google Shape;268;g10f1133c063_0_114:notes"/>
+          <p:cNvPr id="271" name="Google Shape;271;g10f1133c063_0_114:notes"/>
           <p:cNvSpPr/>
           <p:nvPr>
             <p:ph idx="2" type="sldImg"/>
@@ -1978,7 +1978,7 @@
       </p:sp>
       <p:sp>
         <p:nvSpPr>
-          <p:cNvPr id="269" name="Google Shape;269;g10f1133c063_0_114:notes"/>
+          <p:cNvPr id="272" name="Google Shape;272;g10f1133c063_0_114:notes"/>
           <p:cNvSpPr txBox="1"/>
           <p:nvPr>
             <p:ph idx="1" type="body"/>
@@ -2028,7 +2028,7 @@
   <p:cSld>
     <p:spTree>
       <p:nvGrpSpPr>
-        <p:cNvPr id="276" name="Shape 276"/>
+        <p:cNvPr id="279" name="Shape 279"/>
         <p:cNvGrpSpPr/>
         <p:nvPr/>
       </p:nvGrpSpPr>
@@ -2042,7 +2042,7 @@
       </p:grpSpPr>
       <p:sp>
         <p:nvSpPr>
-          <p:cNvPr id="277" name="Google Shape;277;g10f1133c063_0_125:notes"/>
+          <p:cNvPr id="280" name="Google Shape;280;g10f1133c063_0_125:notes"/>
           <p:cNvSpPr/>
           <p:nvPr>
             <p:ph idx="2" type="sldImg"/>
@@ -2077,7 +2077,7 @@
       </p:sp>
       <p:sp>
         <p:nvSpPr>
-          <p:cNvPr id="278" name="Google Shape;278;g10f1133c063_0_125:notes"/>
+          <p:cNvPr id="281" name="Google Shape;281;g10f1133c063_0_125:notes"/>
           <p:cNvSpPr txBox="1"/>
           <p:nvPr>
             <p:ph idx="1" type="body"/>
@@ -2127,7 +2127,7 @@
   <p:cSld>
     <p:spTree>
       <p:nvGrpSpPr>
-        <p:cNvPr id="284" name="Shape 284"/>
+        <p:cNvPr id="287" name="Shape 287"/>
         <p:cNvGrpSpPr/>
         <p:nvPr/>
       </p:nvGrpSpPr>
@@ -2141,7 +2141,7 @@
       </p:grpSpPr>
       <p:sp>
         <p:nvSpPr>
-          <p:cNvPr id="285" name="Google Shape;285;g10f1133c063_0_140:notes"/>
+          <p:cNvPr id="288" name="Google Shape;288;g10f1133c063_0_140:notes"/>
           <p:cNvSpPr/>
           <p:nvPr>
             <p:ph idx="2" type="sldImg"/>
@@ -2176,7 +2176,7 @@
       </p:sp>
       <p:sp>
         <p:nvSpPr>
-          <p:cNvPr id="286" name="Google Shape;286;g10f1133c063_0_140:notes"/>
+          <p:cNvPr id="289" name="Google Shape;289;g10f1133c063_0_140:notes"/>
           <p:cNvSpPr txBox="1"/>
           <p:nvPr>
             <p:ph idx="1" type="body"/>
@@ -2226,7 +2226,7 @@
   <p:cSld>
     <p:spTree>
       <p:nvGrpSpPr>
-        <p:cNvPr id="292" name="Shape 292"/>
+        <p:cNvPr id="295" name="Shape 295"/>
         <p:cNvGrpSpPr/>
         <p:nvPr/>
       </p:nvGrpSpPr>
@@ -2240,7 +2240,7 @@
       </p:grpSpPr>
       <p:sp>
         <p:nvSpPr>
-          <p:cNvPr id="293" name="Google Shape;293;g10f1133c063_0_147:notes"/>
+          <p:cNvPr id="296" name="Google Shape;296;g10f1133c063_0_147:notes"/>
           <p:cNvSpPr/>
           <p:nvPr>
             <p:ph idx="2" type="sldImg"/>
@@ -2275,7 +2275,7 @@
       </p:sp>
       <p:sp>
         <p:nvSpPr>
-          <p:cNvPr id="294" name="Google Shape;294;g10f1133c063_0_147:notes"/>
+          <p:cNvPr id="297" name="Google Shape;297;g10f1133c063_0_147:notes"/>
           <p:cNvSpPr txBox="1"/>
           <p:nvPr>
             <p:ph idx="1" type="body"/>
@@ -2325,7 +2325,7 @@
   <p:cSld>
     <p:spTree>
       <p:nvGrpSpPr>
-        <p:cNvPr id="300" name="Shape 300"/>
+        <p:cNvPr id="303" name="Shape 303"/>
         <p:cNvGrpSpPr/>
         <p:nvPr/>
       </p:nvGrpSpPr>
@@ -2339,7 +2339,7 @@
       </p:grpSpPr>
       <p:sp>
         <p:nvSpPr>
-          <p:cNvPr id="301" name="Google Shape;301;g10f1133c063_0_162:notes"/>
+          <p:cNvPr id="304" name="Google Shape;304;g10f1133c063_0_162:notes"/>
           <p:cNvSpPr/>
           <p:nvPr>
             <p:ph idx="2" type="sldImg"/>
@@ -2374,7 +2374,7 @@
       </p:sp>
       <p:sp>
         <p:nvSpPr>
-          <p:cNvPr id="302" name="Google Shape;302;g10f1133c063_0_162:notes"/>
+          <p:cNvPr id="305" name="Google Shape;305;g10f1133c063_0_162:notes"/>
           <p:cNvSpPr txBox="1"/>
           <p:nvPr>
             <p:ph idx="1" type="body"/>
@@ -2424,7 +2424,7 @@
   <p:cSld>
     <p:spTree>
       <p:nvGrpSpPr>
-        <p:cNvPr id="309" name="Shape 309"/>
+        <p:cNvPr id="312" name="Shape 312"/>
         <p:cNvGrpSpPr/>
         <p:nvPr/>
       </p:nvGrpSpPr>
@@ -2438,7 +2438,7 @@
       </p:grpSpPr>
       <p:sp>
         <p:nvSpPr>
-          <p:cNvPr id="310" name="Google Shape;310;g10f1133c063_0_181:notes"/>
+          <p:cNvPr id="313" name="Google Shape;313;g10f1133c063_0_181:notes"/>
           <p:cNvSpPr/>
           <p:nvPr>
             <p:ph idx="2" type="sldImg"/>
@@ -2473,7 +2473,7 @@
       </p:sp>
       <p:sp>
         <p:nvSpPr>
-          <p:cNvPr id="311" name="Google Shape;311;g10f1133c063_0_181:notes"/>
+          <p:cNvPr id="314" name="Google Shape;314;g10f1133c063_0_181:notes"/>
           <p:cNvSpPr txBox="1"/>
           <p:nvPr>
             <p:ph idx="1" type="body"/>
@@ -2523,7 +2523,7 @@
   <p:cSld>
     <p:spTree>
       <p:nvGrpSpPr>
-        <p:cNvPr id="315" name="Shape 315"/>
+        <p:cNvPr id="318" name="Shape 318"/>
         <p:cNvGrpSpPr/>
         <p:nvPr/>
       </p:nvGrpSpPr>
@@ -2537,7 +2537,7 @@
       </p:grpSpPr>
       <p:sp>
         <p:nvSpPr>
-          <p:cNvPr id="316" name="Google Shape;316;g10f1133c063_0_169:notes"/>
+          <p:cNvPr id="319" name="Google Shape;319;g10f1133c063_0_169:notes"/>
           <p:cNvSpPr/>
           <p:nvPr>
             <p:ph idx="2" type="sldImg"/>
@@ -2572,7 +2572,7 @@
       </p:sp>
       <p:sp>
         <p:nvSpPr>
-          <p:cNvPr id="317" name="Google Shape;317;g10f1133c063_0_169:notes"/>
+          <p:cNvPr id="320" name="Google Shape;320;g10f1133c063_0_169:notes"/>
           <p:cNvSpPr txBox="1"/>
           <p:nvPr>
             <p:ph idx="1" type="body"/>
@@ -2622,7 +2622,7 @@
   <p:cSld>
     <p:spTree>
       <p:nvGrpSpPr>
-        <p:cNvPr id="323" name="Shape 323"/>
+        <p:cNvPr id="326" name="Shape 326"/>
         <p:cNvGrpSpPr/>
         <p:nvPr/>
       </p:nvGrpSpPr>
@@ -2636,7 +2636,7 @@
       </p:grpSpPr>
       <p:sp>
         <p:nvSpPr>
-          <p:cNvPr id="324" name="Google Shape;324;g10f1133c063_0_191:notes"/>
+          <p:cNvPr id="327" name="Google Shape;327;g10f1133c063_0_191:notes"/>
           <p:cNvSpPr/>
           <p:nvPr>
             <p:ph idx="2" type="sldImg"/>
@@ -2671,7 +2671,7 @@
       </p:sp>
       <p:sp>
         <p:nvSpPr>
-          <p:cNvPr id="325" name="Google Shape;325;g10f1133c063_0_191:notes"/>
+          <p:cNvPr id="328" name="Google Shape;328;g10f1133c063_0_191:notes"/>
           <p:cNvSpPr txBox="1"/>
           <p:nvPr>
             <p:ph idx="1" type="body"/>
@@ -2721,7 +2721,7 @@
   <p:cSld>
     <p:spTree>
       <p:nvGrpSpPr>
-        <p:cNvPr id="329" name="Shape 329"/>
+        <p:cNvPr id="332" name="Shape 332"/>
         <p:cNvGrpSpPr/>
         <p:nvPr/>
       </p:nvGrpSpPr>
@@ -2735,7 +2735,7 @@
       </p:grpSpPr>
       <p:sp>
         <p:nvSpPr>
-          <p:cNvPr id="330" name="Google Shape;330;g10c494f655b_1_10:notes"/>
+          <p:cNvPr id="333" name="Google Shape;333;g10c494f655b_1_10:notes"/>
           <p:cNvSpPr/>
           <p:nvPr>
             <p:ph idx="2" type="sldImg"/>
@@ -2770,7 +2770,7 @@
       </p:sp>
       <p:sp>
         <p:nvSpPr>
-          <p:cNvPr id="331" name="Google Shape;331;g10c494f655b_1_10:notes"/>
+          <p:cNvPr id="334" name="Google Shape;334;g10c494f655b_1_10:notes"/>
           <p:cNvSpPr txBox="1"/>
           <p:nvPr>
             <p:ph idx="1" type="body"/>
@@ -14391,7 +14391,7 @@
         </p:nvSpPr>
         <p:spPr>
           <a:xfrm>
-            <a:off x="1297500" y="429850"/>
+            <a:off x="1180200" y="814875"/>
             <a:ext cx="7038900" cy="914100"/>
           </a:xfrm>
           <a:prstGeom prst="rect">
@@ -14437,8 +14437,8 @@
         </p:nvSpPr>
         <p:spPr>
           <a:xfrm>
-            <a:off x="1192925" y="1070225"/>
-            <a:ext cx="6867000" cy="1970100"/>
+            <a:off x="678600" y="1728975"/>
+            <a:ext cx="3672600" cy="2709000"/>
           </a:xfrm>
           <a:prstGeom prst="rect">
             <a:avLst/>
@@ -14701,6 +14701,138 @@
               <a:ea typeface="Verdana"/>
               <a:cs typeface="Verdana"/>
               <a:sym typeface="Verdana"/>
+            </a:endParaRPr>
+          </a:p>
+        </p:txBody>
+      </p:sp>
+      <p:pic>
+        <p:nvPicPr>
+          <p:cNvPr id="254" name="Google Shape;254;p29"/>
+          <p:cNvPicPr preferRelativeResize="0"/>
+          <p:nvPr/>
+        </p:nvPicPr>
+        <p:blipFill>
+          <a:blip r:embed="rId3">
+            <a:alphaModFix/>
+          </a:blip>
+          <a:stretch>
+            <a:fillRect/>
+          </a:stretch>
+        </p:blipFill>
+        <p:spPr>
+          <a:xfrm>
+            <a:off x="4700325" y="773375"/>
+            <a:ext cx="4216874" cy="4032925"/>
+          </a:xfrm>
+          <a:prstGeom prst="rect">
+            <a:avLst/>
+          </a:prstGeom>
+          <a:noFill/>
+          <a:ln>
+            <a:noFill/>
+          </a:ln>
+        </p:spPr>
+      </p:pic>
+      <p:sp>
+        <p:nvSpPr>
+          <p:cNvPr id="255" name="Google Shape;255;p29"/>
+          <p:cNvSpPr txBox="1"/>
+          <p:nvPr/>
+        </p:nvSpPr>
+        <p:spPr>
+          <a:xfrm>
+            <a:off x="615400" y="3794125"/>
+            <a:ext cx="5197500" cy="400200"/>
+          </a:xfrm>
+          <a:prstGeom prst="rect">
+            <a:avLst/>
+          </a:prstGeom>
+          <a:noFill/>
+          <a:ln>
+            <a:noFill/>
+          </a:ln>
+        </p:spPr>
+        <p:txBody>
+          <a:bodyPr anchorCtr="0" anchor="t" bIns="91425" lIns="91425" spcFirstLastPara="1" rIns="91425" wrap="square" tIns="91425">
+            <a:spAutoFit/>
+          </a:bodyPr>
+          <a:lstStyle/>
+          <a:p>
+            <a:pPr indent="0" lvl="0" marL="0" rtl="0" algn="l">
+              <a:spcBef>
+                <a:spcPts val="0"/>
+              </a:spcBef>
+              <a:spcAft>
+                <a:spcPts val="0"/>
+              </a:spcAft>
+              <a:buNone/>
+            </a:pPr>
+            <a:r>
+              <a:t/>
+            </a:r>
+            <a:endParaRPr>
+              <a:latin typeface="Lato"/>
+              <a:ea typeface="Lato"/>
+              <a:cs typeface="Lato"/>
+              <a:sym typeface="Lato"/>
+            </a:endParaRPr>
+          </a:p>
+        </p:txBody>
+      </p:sp>
+      <p:sp>
+        <p:nvSpPr>
+          <p:cNvPr id="256" name="Google Shape;256;p29"/>
+          <p:cNvSpPr txBox="1"/>
+          <p:nvPr/>
+        </p:nvSpPr>
+        <p:spPr>
+          <a:xfrm>
+            <a:off x="6183050" y="4806300"/>
+            <a:ext cx="875400" cy="400200"/>
+          </a:xfrm>
+          <a:prstGeom prst="rect">
+            <a:avLst/>
+          </a:prstGeom>
+          <a:noFill/>
+          <a:ln>
+            <a:noFill/>
+          </a:ln>
+        </p:spPr>
+        <p:txBody>
+          <a:bodyPr anchorCtr="0" anchor="t" bIns="91425" lIns="91425" spcFirstLastPara="1" rIns="91425" wrap="square" tIns="91425">
+            <a:spAutoFit/>
+          </a:bodyPr>
+          <a:lstStyle/>
+          <a:p>
+            <a:pPr indent="0" lvl="0" marL="0" rtl="0" algn="l">
+              <a:spcBef>
+                <a:spcPts val="0"/>
+              </a:spcBef>
+              <a:spcAft>
+                <a:spcPts val="0"/>
+              </a:spcAft>
+              <a:buNone/>
+            </a:pPr>
+            <a:r>
+              <a:rPr lang="en">
+                <a:solidFill>
+                  <a:srgbClr val="FFFFFF"/>
+                </a:solidFill>
+                <a:latin typeface="Lato"/>
+                <a:ea typeface="Lato"/>
+                <a:cs typeface="Lato"/>
+                <a:sym typeface="Lato"/>
+              </a:rPr>
+              <a:t>pair plot</a:t>
+            </a:r>
+            <a:endParaRPr>
+              <a:solidFill>
+                <a:srgbClr val="FFFFFF"/>
+              </a:solidFill>
+              <a:latin typeface="Lato"/>
+              <a:ea typeface="Lato"/>
+              <a:cs typeface="Lato"/>
+              <a:sym typeface="Lato"/>
             </a:endParaRPr>
           </a:p>
         </p:txBody>
@@ -14725,7 +14857,7 @@
     </p:bg>
     <p:spTree>
       <p:nvGrpSpPr>
-        <p:cNvPr id="257" name="Shape 257"/>
+        <p:cNvPr id="260" name="Shape 260"/>
         <p:cNvGrpSpPr/>
         <p:nvPr/>
       </p:nvGrpSpPr>
@@ -14739,7 +14871,7 @@
       </p:grpSpPr>
       <p:sp>
         <p:nvSpPr>
-          <p:cNvPr id="258" name="Google Shape;258;p30"/>
+          <p:cNvPr id="261" name="Google Shape;261;p30"/>
           <p:cNvSpPr txBox="1"/>
           <p:nvPr>
             <p:ph type="title"/>
@@ -14787,7 +14919,7 @@
       </p:sp>
       <p:sp>
         <p:nvSpPr>
-          <p:cNvPr id="259" name="Google Shape;259;p30"/>
+          <p:cNvPr id="262" name="Google Shape;262;p30"/>
           <p:cNvSpPr txBox="1"/>
           <p:nvPr/>
         </p:nvSpPr>
@@ -15005,7 +15137,7 @@
       </p:sp>
       <p:sp>
         <p:nvSpPr>
-          <p:cNvPr id="260" name="Google Shape;260;p30"/>
+          <p:cNvPr id="263" name="Google Shape;263;p30"/>
           <p:cNvSpPr txBox="1"/>
           <p:nvPr/>
         </p:nvSpPr>
@@ -15303,7 +15435,7 @@
     </p:bg>
     <p:spTree>
       <p:nvGrpSpPr>
-        <p:cNvPr id="264" name="Shape 264"/>
+        <p:cNvPr id="267" name="Shape 267"/>
         <p:cNvGrpSpPr/>
         <p:nvPr/>
       </p:nvGrpSpPr>
@@ -15317,7 +15449,7 @@
       </p:grpSpPr>
       <p:sp>
         <p:nvSpPr>
-          <p:cNvPr id="265" name="Google Shape;265;p31"/>
+          <p:cNvPr id="268" name="Google Shape;268;p31"/>
           <p:cNvSpPr txBox="1"/>
           <p:nvPr>
             <p:ph type="title"/>
@@ -15369,7 +15501,7 @@
       </p:sp>
       <p:sp>
         <p:nvSpPr>
-          <p:cNvPr id="266" name="Google Shape;266;p31"/>
+          <p:cNvPr id="269" name="Google Shape;269;p31"/>
           <p:cNvSpPr txBox="1"/>
           <p:nvPr/>
         </p:nvSpPr>
@@ -16076,7 +16208,7 @@
     </p:bg>
     <p:spTree>
       <p:nvGrpSpPr>
-        <p:cNvPr id="270" name="Shape 270"/>
+        <p:cNvPr id="273" name="Shape 273"/>
         <p:cNvGrpSpPr/>
         <p:nvPr/>
       </p:nvGrpSpPr>
@@ -16090,7 +16222,7 @@
       </p:grpSpPr>
       <p:sp>
         <p:nvSpPr>
-          <p:cNvPr id="271" name="Google Shape;271;p32"/>
+          <p:cNvPr id="274" name="Google Shape;274;p32"/>
           <p:cNvSpPr txBox="1"/>
           <p:nvPr>
             <p:ph type="title"/>
@@ -16178,7 +16310,7 @@
       </p:sp>
       <p:sp>
         <p:nvSpPr>
-          <p:cNvPr id="272" name="Google Shape;272;p32"/>
+          <p:cNvPr id="275" name="Google Shape;275;p32"/>
           <p:cNvSpPr txBox="1"/>
           <p:nvPr/>
         </p:nvSpPr>
@@ -16224,7 +16356,7 @@
       </p:sp>
       <p:pic>
         <p:nvPicPr>
-          <p:cNvPr id="273" name="Google Shape;273;p32"/>
+          <p:cNvPr id="276" name="Google Shape;276;p32"/>
           <p:cNvPicPr preferRelativeResize="0"/>
           <p:nvPr/>
         </p:nvPicPr>
@@ -16252,7 +16384,7 @@
       </p:pic>
       <p:pic>
         <p:nvPicPr>
-          <p:cNvPr id="274" name="Google Shape;274;p32"/>
+          <p:cNvPr id="277" name="Google Shape;277;p32"/>
           <p:cNvPicPr preferRelativeResize="0"/>
           <p:nvPr/>
         </p:nvPicPr>
@@ -16280,7 +16412,7 @@
       </p:pic>
       <p:sp>
         <p:nvSpPr>
-          <p:cNvPr id="275" name="Google Shape;275;p32"/>
+          <p:cNvPr id="278" name="Google Shape;278;p32"/>
           <p:cNvSpPr txBox="1"/>
           <p:nvPr/>
         </p:nvSpPr>
@@ -16356,7 +16488,7 @@
     </p:bg>
     <p:spTree>
       <p:nvGrpSpPr>
-        <p:cNvPr id="279" name="Shape 279"/>
+        <p:cNvPr id="282" name="Shape 282"/>
         <p:cNvGrpSpPr/>
         <p:nvPr/>
       </p:nvGrpSpPr>
@@ -16370,7 +16502,7 @@
       </p:grpSpPr>
       <p:sp>
         <p:nvSpPr>
-          <p:cNvPr id="280" name="Google Shape;280;p33"/>
+          <p:cNvPr id="283" name="Google Shape;283;p33"/>
           <p:cNvSpPr txBox="1"/>
           <p:nvPr>
             <p:ph type="title"/>
@@ -16461,7 +16593,7 @@
       </p:sp>
       <p:pic>
         <p:nvPicPr>
-          <p:cNvPr id="281" name="Google Shape;281;p33"/>
+          <p:cNvPr id="284" name="Google Shape;284;p33"/>
           <p:cNvPicPr preferRelativeResize="0"/>
           <p:nvPr/>
         </p:nvPicPr>
@@ -16489,7 +16621,7 @@
       </p:pic>
       <p:pic>
         <p:nvPicPr>
-          <p:cNvPr id="282" name="Google Shape;282;p33"/>
+          <p:cNvPr id="285" name="Google Shape;285;p33"/>
           <p:cNvPicPr preferRelativeResize="0"/>
           <p:nvPr/>
         </p:nvPicPr>
@@ -16517,7 +16649,7 @@
       </p:pic>
       <p:sp>
         <p:nvSpPr>
-          <p:cNvPr id="283" name="Google Shape;283;p33"/>
+          <p:cNvPr id="286" name="Google Shape;286;p33"/>
           <p:cNvSpPr txBox="1"/>
           <p:nvPr/>
         </p:nvSpPr>
@@ -16675,7 +16807,7 @@
     </p:bg>
     <p:spTree>
       <p:nvGrpSpPr>
-        <p:cNvPr id="287" name="Shape 287"/>
+        <p:cNvPr id="290" name="Shape 290"/>
         <p:cNvGrpSpPr/>
         <p:nvPr/>
       </p:nvGrpSpPr>
@@ -16689,7 +16821,7 @@
       </p:grpSpPr>
       <p:sp>
         <p:nvSpPr>
-          <p:cNvPr id="288" name="Google Shape;288;p34"/>
+          <p:cNvPr id="291" name="Google Shape;291;p34"/>
           <p:cNvSpPr txBox="1"/>
           <p:nvPr>
             <p:ph type="title"/>
@@ -16792,7 +16924,7 @@
       </p:sp>
       <p:sp>
         <p:nvSpPr>
-          <p:cNvPr id="289" name="Google Shape;289;p34"/>
+          <p:cNvPr id="292" name="Google Shape;292;p34"/>
           <p:cNvSpPr txBox="1"/>
           <p:nvPr/>
         </p:nvSpPr>
@@ -16909,7 +17041,7 @@
       </p:sp>
       <p:pic>
         <p:nvPicPr>
-          <p:cNvPr id="290" name="Google Shape;290;p34"/>
+          <p:cNvPr id="293" name="Google Shape;293;p34"/>
           <p:cNvPicPr preferRelativeResize="0"/>
           <p:nvPr/>
         </p:nvPicPr>
@@ -16937,7 +17069,7 @@
       </p:pic>
       <p:pic>
         <p:nvPicPr>
-          <p:cNvPr id="291" name="Google Shape;291;p34"/>
+          <p:cNvPr id="294" name="Google Shape;294;p34"/>
           <p:cNvPicPr preferRelativeResize="0"/>
           <p:nvPr/>
         </p:nvPicPr>
@@ -16983,7 +17115,7 @@
     </p:bg>
     <p:spTree>
       <p:nvGrpSpPr>
-        <p:cNvPr id="295" name="Shape 295"/>
+        <p:cNvPr id="298" name="Shape 298"/>
         <p:cNvGrpSpPr/>
         <p:nvPr/>
       </p:nvGrpSpPr>
@@ -16997,7 +17129,7 @@
       </p:grpSpPr>
       <p:sp>
         <p:nvSpPr>
-          <p:cNvPr id="296" name="Google Shape;296;p35"/>
+          <p:cNvPr id="299" name="Google Shape;299;p35"/>
           <p:cNvSpPr txBox="1"/>
           <p:nvPr>
             <p:ph type="title"/>
@@ -17100,7 +17232,7 @@
       </p:sp>
       <p:sp>
         <p:nvSpPr>
-          <p:cNvPr id="297" name="Google Shape;297;p35"/>
+          <p:cNvPr id="300" name="Google Shape;300;p35"/>
           <p:cNvSpPr txBox="1"/>
           <p:nvPr/>
         </p:nvSpPr>
@@ -17158,7 +17290,7 @@
       </p:sp>
       <p:pic>
         <p:nvPicPr>
-          <p:cNvPr id="298" name="Google Shape;298;p35"/>
+          <p:cNvPr id="301" name="Google Shape;301;p35"/>
           <p:cNvPicPr preferRelativeResize="0"/>
           <p:nvPr/>
         </p:nvPicPr>
@@ -17186,7 +17318,7 @@
       </p:pic>
       <p:pic>
         <p:nvPicPr>
-          <p:cNvPr id="299" name="Google Shape;299;p35"/>
+          <p:cNvPr id="302" name="Google Shape;302;p35"/>
           <p:cNvPicPr preferRelativeResize="0"/>
           <p:nvPr/>
         </p:nvPicPr>
@@ -17232,7 +17364,7 @@
     </p:bg>
     <p:spTree>
       <p:nvGrpSpPr>
-        <p:cNvPr id="303" name="Shape 303"/>
+        <p:cNvPr id="306" name="Shape 306"/>
         <p:cNvGrpSpPr/>
         <p:nvPr/>
       </p:nvGrpSpPr>
@@ -17246,7 +17378,7 @@
       </p:grpSpPr>
       <p:sp>
         <p:nvSpPr>
-          <p:cNvPr id="304" name="Google Shape;304;p36"/>
+          <p:cNvPr id="307" name="Google Shape;307;p36"/>
           <p:cNvSpPr txBox="1"/>
           <p:nvPr>
             <p:ph type="title"/>
@@ -17363,7 +17495,7 @@
       </p:sp>
       <p:pic>
         <p:nvPicPr>
-          <p:cNvPr id="305" name="Google Shape;305;p36"/>
+          <p:cNvPr id="308" name="Google Shape;308;p36"/>
           <p:cNvPicPr preferRelativeResize="0"/>
           <p:nvPr/>
         </p:nvPicPr>
@@ -17391,7 +17523,7 @@
       </p:pic>
       <p:pic>
         <p:nvPicPr>
-          <p:cNvPr id="306" name="Google Shape;306;p36"/>
+          <p:cNvPr id="309" name="Google Shape;309;p36"/>
           <p:cNvPicPr preferRelativeResize="0"/>
           <p:nvPr/>
         </p:nvPicPr>
@@ -17419,7 +17551,7 @@
       </p:pic>
       <p:sp>
         <p:nvSpPr>
-          <p:cNvPr id="307" name="Google Shape;307;p36"/>
+          <p:cNvPr id="310" name="Google Shape;310;p36"/>
           <p:cNvSpPr txBox="1"/>
           <p:nvPr/>
         </p:nvSpPr>
@@ -17477,7 +17609,7 @@
       </p:sp>
       <p:sp>
         <p:nvSpPr>
-          <p:cNvPr id="308" name="Google Shape;308;p36"/>
+          <p:cNvPr id="311" name="Google Shape;311;p36"/>
           <p:cNvSpPr txBox="1"/>
           <p:nvPr/>
         </p:nvSpPr>
@@ -17553,7 +17685,7 @@
     </p:bg>
     <p:spTree>
       <p:nvGrpSpPr>
-        <p:cNvPr id="312" name="Shape 312"/>
+        <p:cNvPr id="315" name="Shape 315"/>
         <p:cNvGrpSpPr/>
         <p:nvPr/>
       </p:nvGrpSpPr>
@@ -17567,7 +17699,7 @@
       </p:grpSpPr>
       <p:sp>
         <p:nvSpPr>
-          <p:cNvPr id="313" name="Google Shape;313;p37"/>
+          <p:cNvPr id="316" name="Google Shape;316;p37"/>
           <p:cNvSpPr txBox="1"/>
           <p:nvPr>
             <p:ph type="title"/>
@@ -17684,7 +17816,7 @@
       </p:sp>
       <p:sp>
         <p:nvSpPr>
-          <p:cNvPr id="314" name="Google Shape;314;p37"/>
+          <p:cNvPr id="317" name="Google Shape;317;p37"/>
           <p:cNvSpPr txBox="1"/>
           <p:nvPr/>
         </p:nvSpPr>
@@ -17902,7 +18034,7 @@
     </p:bg>
     <p:spTree>
       <p:nvGrpSpPr>
-        <p:cNvPr id="318" name="Shape 318"/>
+        <p:cNvPr id="321" name="Shape 321"/>
         <p:cNvGrpSpPr/>
         <p:nvPr/>
       </p:nvGrpSpPr>
@@ -17916,7 +18048,7 @@
       </p:grpSpPr>
       <p:sp>
         <p:nvSpPr>
-          <p:cNvPr id="319" name="Google Shape;319;p38"/>
+          <p:cNvPr id="322" name="Google Shape;322;p38"/>
           <p:cNvSpPr txBox="1"/>
           <p:nvPr>
             <p:ph type="title"/>
@@ -18007,7 +18139,7 @@
       </p:sp>
       <p:sp>
         <p:nvSpPr>
-          <p:cNvPr id="320" name="Google Shape;320;p38"/>
+          <p:cNvPr id="323" name="Google Shape;323;p38"/>
           <p:cNvSpPr txBox="1"/>
           <p:nvPr/>
         </p:nvSpPr>
@@ -18150,7 +18282,7 @@
       </p:sp>
       <p:sp>
         <p:nvSpPr>
-          <p:cNvPr id="321" name="Google Shape;321;p38"/>
+          <p:cNvPr id="324" name="Google Shape;324;p38"/>
           <p:cNvSpPr txBox="1"/>
           <p:nvPr>
             <p:ph type="title"/>
@@ -18267,7 +18399,7 @@
       </p:sp>
       <p:sp>
         <p:nvSpPr>
-          <p:cNvPr id="322" name="Google Shape;322;p38"/>
+          <p:cNvPr id="325" name="Google Shape;325;p38"/>
           <p:cNvSpPr txBox="1"/>
           <p:nvPr/>
         </p:nvSpPr>
@@ -18497,7 +18629,7 @@
     </p:bg>
     <p:spTree>
       <p:nvGrpSpPr>
-        <p:cNvPr id="326" name="Shape 326"/>
+        <p:cNvPr id="329" name="Shape 329"/>
         <p:cNvGrpSpPr/>
         <p:nvPr/>
       </p:nvGrpSpPr>
@@ -18511,7 +18643,7 @@
       </p:grpSpPr>
       <p:sp>
         <p:nvSpPr>
-          <p:cNvPr id="327" name="Google Shape;327;p39"/>
+          <p:cNvPr id="330" name="Google Shape;330;p39"/>
           <p:cNvSpPr txBox="1"/>
           <p:nvPr>
             <p:ph type="title"/>
@@ -18628,7 +18760,7 @@
       </p:sp>
       <p:sp>
         <p:nvSpPr>
-          <p:cNvPr id="328" name="Google Shape;328;p39"/>
+          <p:cNvPr id="331" name="Google Shape;331;p39"/>
           <p:cNvSpPr txBox="1"/>
           <p:nvPr/>
         </p:nvSpPr>
@@ -18973,7 +19105,7 @@
     </p:bg>
     <p:spTree>
       <p:nvGrpSpPr>
-        <p:cNvPr id="332" name="Shape 332"/>
+        <p:cNvPr id="335" name="Shape 335"/>
         <p:cNvGrpSpPr/>
         <p:nvPr/>
       </p:nvGrpSpPr>
@@ -18987,7 +19119,7 @@
       </p:grpSpPr>
       <p:sp>
         <p:nvSpPr>
-          <p:cNvPr id="333" name="Google Shape;333;p40"/>
+          <p:cNvPr id="336" name="Google Shape;336;p40"/>
           <p:cNvSpPr txBox="1"/>
           <p:nvPr>
             <p:ph type="title"/>
@@ -19058,7 +19190,7 @@
       </p:sp>
       <p:sp>
         <p:nvSpPr>
-          <p:cNvPr id="334" name="Google Shape;334;p40"/>
+          <p:cNvPr id="337" name="Google Shape;337;p40"/>
           <p:cNvSpPr txBox="1"/>
           <p:nvPr>
             <p:ph idx="1" type="body"/>

--- a/CapstoneProjects/Capstone 2/Docs/Customer Attrition Prediction on Credit Card data.pptx
+++ b/CapstoneProjects/Capstone 2/Docs/Customer Attrition Prediction on Credit Card data.pptx
@@ -17493,71 +17493,15 @@
           </a:p>
         </p:txBody>
       </p:sp>
-      <p:pic>
-        <p:nvPicPr>
-          <p:cNvPr id="308" name="Google Shape;308;p36"/>
-          <p:cNvPicPr preferRelativeResize="0"/>
-          <p:nvPr/>
-        </p:nvPicPr>
-        <p:blipFill>
-          <a:blip r:embed="rId3">
-            <a:alphaModFix/>
-          </a:blip>
-          <a:stretch>
-            <a:fillRect/>
-          </a:stretch>
-        </p:blipFill>
-        <p:spPr>
-          <a:xfrm>
-            <a:off x="304800" y="967750"/>
-            <a:ext cx="4163170" cy="2720159"/>
-          </a:xfrm>
-          <a:prstGeom prst="rect">
-            <a:avLst/>
-          </a:prstGeom>
-          <a:noFill/>
-          <a:ln>
-            <a:noFill/>
-          </a:ln>
-        </p:spPr>
-      </p:pic>
-      <p:pic>
-        <p:nvPicPr>
-          <p:cNvPr id="309" name="Google Shape;309;p36"/>
-          <p:cNvPicPr preferRelativeResize="0"/>
-          <p:nvPr/>
-        </p:nvPicPr>
-        <p:blipFill>
-          <a:blip r:embed="rId4">
-            <a:alphaModFix/>
-          </a:blip>
-          <a:stretch>
-            <a:fillRect/>
-          </a:stretch>
-        </p:blipFill>
-        <p:spPr>
-          <a:xfrm>
-            <a:off x="4620375" y="967750"/>
-            <a:ext cx="4108476" cy="2665175"/>
-          </a:xfrm>
-          <a:prstGeom prst="rect">
-            <a:avLst/>
-          </a:prstGeom>
-          <a:noFill/>
-          <a:ln>
-            <a:noFill/>
-          </a:ln>
-        </p:spPr>
-      </p:pic>
       <p:sp>
         <p:nvSpPr>
-          <p:cNvPr id="310" name="Google Shape;310;p36"/>
+          <p:cNvPr id="308" name="Google Shape;308;p36"/>
           <p:cNvSpPr txBox="1"/>
           <p:nvPr/>
         </p:nvSpPr>
         <p:spPr>
           <a:xfrm>
-            <a:off x="1454600" y="3840300"/>
+            <a:off x="1932825" y="4309525"/>
             <a:ext cx="1155000" cy="400200"/>
           </a:xfrm>
           <a:prstGeom prst="rect">
@@ -17609,13 +17553,13 @@
       </p:sp>
       <p:sp>
         <p:nvSpPr>
-          <p:cNvPr id="311" name="Google Shape;311;p36"/>
+          <p:cNvPr id="309" name="Google Shape;309;p36"/>
           <p:cNvSpPr txBox="1"/>
           <p:nvPr/>
         </p:nvSpPr>
         <p:spPr>
           <a:xfrm>
-            <a:off x="5875225" y="3840300"/>
+            <a:off x="6055700" y="4228325"/>
             <a:ext cx="1155000" cy="400200"/>
           </a:xfrm>
           <a:prstGeom prst="rect">
@@ -17665,6 +17609,62 @@
           </a:p>
         </p:txBody>
       </p:sp>
+      <p:pic>
+        <p:nvPicPr>
+          <p:cNvPr id="310" name="Google Shape;310;p36"/>
+          <p:cNvPicPr preferRelativeResize="0"/>
+          <p:nvPr/>
+        </p:nvPicPr>
+        <p:blipFill>
+          <a:blip r:embed="rId3">
+            <a:alphaModFix/>
+          </a:blip>
+          <a:stretch>
+            <a:fillRect/>
+          </a:stretch>
+        </p:blipFill>
+        <p:spPr>
+          <a:xfrm>
+            <a:off x="4779550" y="1391900"/>
+            <a:ext cx="4043244" cy="2720150"/>
+          </a:xfrm>
+          <a:prstGeom prst="rect">
+            <a:avLst/>
+          </a:prstGeom>
+          <a:noFill/>
+          <a:ln>
+            <a:noFill/>
+          </a:ln>
+        </p:spPr>
+      </p:pic>
+      <p:pic>
+        <p:nvPicPr>
+          <p:cNvPr id="311" name="Google Shape;311;p36"/>
+          <p:cNvPicPr preferRelativeResize="0"/>
+          <p:nvPr/>
+        </p:nvPicPr>
+        <p:blipFill>
+          <a:blip r:embed="rId4">
+            <a:alphaModFix/>
+          </a:blip>
+          <a:stretch>
+            <a:fillRect/>
+          </a:stretch>
+        </p:blipFill>
+        <p:spPr>
+          <a:xfrm>
+            <a:off x="543213" y="1482863"/>
+            <a:ext cx="4163175" cy="2709368"/>
+          </a:xfrm>
+          <a:prstGeom prst="rect">
+            <a:avLst/>
+          </a:prstGeom>
+          <a:noFill/>
+          <a:ln>
+            <a:noFill/>
+          </a:ln>
+        </p:spPr>
+      </p:pic>
     </p:spTree>
   </p:cSld>
   <p:clrMapOvr>
